--- a/ppt 16-9/1444.施比受更为有.pptx
+++ b/ppt 16-9/1444.施比受更为有.pptx
@@ -129,7 +129,7 @@
           <p:cNvPr id="2" name="标题 1">
             <a:extLst>
               <a:ext uri="{FF2B5EF4-FFF2-40B4-BE49-F238E27FC236}">
-                <a16:creationId xmlns:a16="http://schemas.microsoft.com/office/drawing/2014/main" id="{EAD11058-AF6B-89DE-81F7-1E6BED0AB19D}"/>
+                <a16:creationId xmlns:a16="http://schemas.microsoft.com/office/drawing/2014/main" id="{C818505A-8170-04D3-87C8-1BF7464E09A4}"/>
               </a:ext>
             </a:extLst>
           </p:cNvPr>
@@ -166,7 +166,7 @@
           <p:cNvPr id="3" name="副标题 2">
             <a:extLst>
               <a:ext uri="{FF2B5EF4-FFF2-40B4-BE49-F238E27FC236}">
-                <a16:creationId xmlns:a16="http://schemas.microsoft.com/office/drawing/2014/main" id="{0E2EE800-3D46-919C-A11C-38CBF2D55107}"/>
+                <a16:creationId xmlns:a16="http://schemas.microsoft.com/office/drawing/2014/main" id="{88419974-4FF2-2C8E-0A70-CC9CEE204ADF}"/>
               </a:ext>
             </a:extLst>
           </p:cNvPr>
@@ -236,7 +236,7 @@
           <p:cNvPr id="4" name="日期占位符 3">
             <a:extLst>
               <a:ext uri="{FF2B5EF4-FFF2-40B4-BE49-F238E27FC236}">
-                <a16:creationId xmlns:a16="http://schemas.microsoft.com/office/drawing/2014/main" id="{1A92B5CA-54EC-0100-2916-49B14EDF1FA7}"/>
+                <a16:creationId xmlns:a16="http://schemas.microsoft.com/office/drawing/2014/main" id="{CA999B78-8E37-C13E-C89E-8A40B6AFA1C1}"/>
               </a:ext>
             </a:extLst>
           </p:cNvPr>
@@ -252,7 +252,7 @@
           <a:bodyPr/>
           <a:lstStyle/>
           <a:p>
-            <a:fld id="{58B01C3C-30F4-4016-B900-8C852BEBD975}" type="datetimeFigureOut">
+            <a:fld id="{61828B04-9AA6-4F63-9CFD-5CADDC9684DA}" type="datetimeFigureOut">
               <a:rPr lang="zh-CN" altLang="en-US" smtClean="0"/>
               <a:t>2024/3/10</a:t>
             </a:fld>
@@ -265,7 +265,7 @@
           <p:cNvPr id="5" name="页脚占位符 4">
             <a:extLst>
               <a:ext uri="{FF2B5EF4-FFF2-40B4-BE49-F238E27FC236}">
-                <a16:creationId xmlns:a16="http://schemas.microsoft.com/office/drawing/2014/main" id="{70DBE5A9-74F1-B48A-DA83-1C5EC5ADA858}"/>
+                <a16:creationId xmlns:a16="http://schemas.microsoft.com/office/drawing/2014/main" id="{848B1791-9B62-EE0C-C92C-A692C1E13B35}"/>
               </a:ext>
             </a:extLst>
           </p:cNvPr>
@@ -290,7 +290,7 @@
           <p:cNvPr id="6" name="灯片编号占位符 5">
             <a:extLst>
               <a:ext uri="{FF2B5EF4-FFF2-40B4-BE49-F238E27FC236}">
-                <a16:creationId xmlns:a16="http://schemas.microsoft.com/office/drawing/2014/main" id="{F6FC9B21-5231-328B-B8BD-7718FEFB0439}"/>
+                <a16:creationId xmlns:a16="http://schemas.microsoft.com/office/drawing/2014/main" id="{6F07D537-1176-9F0E-355B-485C4927E01A}"/>
               </a:ext>
             </a:extLst>
           </p:cNvPr>
@@ -306,7 +306,7 @@
           <a:bodyPr/>
           <a:lstStyle/>
           <a:p>
-            <a:fld id="{FCA085D0-F506-419E-B3FE-CDCD387DF782}" type="slidenum">
+            <a:fld id="{18FB5DC9-17FE-45DD-8A92-6C9018214740}" type="slidenum">
               <a:rPr lang="zh-CN" altLang="en-US" smtClean="0"/>
               <a:t>‹#›</a:t>
             </a:fld>
@@ -317,7 +317,7 @@
     </p:spTree>
     <p:extLst>
       <p:ext uri="{BB962C8B-B14F-4D97-AF65-F5344CB8AC3E}">
-        <p14:creationId xmlns:p14="http://schemas.microsoft.com/office/powerpoint/2010/main" val="2842457863"/>
+        <p14:creationId xmlns:p14="http://schemas.microsoft.com/office/powerpoint/2010/main" val="2127728464"/>
       </p:ext>
     </p:extLst>
   </p:cSld>
@@ -349,7 +349,7 @@
           <p:cNvPr id="2" name="标题 1">
             <a:extLst>
               <a:ext uri="{FF2B5EF4-FFF2-40B4-BE49-F238E27FC236}">
-                <a16:creationId xmlns:a16="http://schemas.microsoft.com/office/drawing/2014/main" id="{2C6D6090-6D45-903B-D4D7-32E479789C55}"/>
+                <a16:creationId xmlns:a16="http://schemas.microsoft.com/office/drawing/2014/main" id="{B7B75E57-90C5-9BDB-C6D0-F8DFC4A541FB}"/>
               </a:ext>
             </a:extLst>
           </p:cNvPr>
@@ -377,7 +377,7 @@
           <p:cNvPr id="3" name="竖排文字占位符 2">
             <a:extLst>
               <a:ext uri="{FF2B5EF4-FFF2-40B4-BE49-F238E27FC236}">
-                <a16:creationId xmlns:a16="http://schemas.microsoft.com/office/drawing/2014/main" id="{7CBC9B47-FFF1-87D2-003D-80726968161D}"/>
+                <a16:creationId xmlns:a16="http://schemas.microsoft.com/office/drawing/2014/main" id="{414C288F-877E-76FD-0D7A-54EE8FB9DD48}"/>
               </a:ext>
             </a:extLst>
           </p:cNvPr>
@@ -434,7 +434,7 @@
           <p:cNvPr id="4" name="日期占位符 3">
             <a:extLst>
               <a:ext uri="{FF2B5EF4-FFF2-40B4-BE49-F238E27FC236}">
-                <a16:creationId xmlns:a16="http://schemas.microsoft.com/office/drawing/2014/main" id="{D541D695-C585-FF7B-F63B-43DE1BA3A38B}"/>
+                <a16:creationId xmlns:a16="http://schemas.microsoft.com/office/drawing/2014/main" id="{02CA08DF-8C63-1AED-17CC-EE7A5B6847E1}"/>
               </a:ext>
             </a:extLst>
           </p:cNvPr>
@@ -450,7 +450,7 @@
           <a:bodyPr/>
           <a:lstStyle/>
           <a:p>
-            <a:fld id="{58B01C3C-30F4-4016-B900-8C852BEBD975}" type="datetimeFigureOut">
+            <a:fld id="{61828B04-9AA6-4F63-9CFD-5CADDC9684DA}" type="datetimeFigureOut">
               <a:rPr lang="zh-CN" altLang="en-US" smtClean="0"/>
               <a:t>2024/3/10</a:t>
             </a:fld>
@@ -463,7 +463,7 @@
           <p:cNvPr id="5" name="页脚占位符 4">
             <a:extLst>
               <a:ext uri="{FF2B5EF4-FFF2-40B4-BE49-F238E27FC236}">
-                <a16:creationId xmlns:a16="http://schemas.microsoft.com/office/drawing/2014/main" id="{EEC95718-F3D1-AAFC-CDFA-1CE9374282D3}"/>
+                <a16:creationId xmlns:a16="http://schemas.microsoft.com/office/drawing/2014/main" id="{35610CC3-21C0-AA77-1CF2-1890D9EF58C7}"/>
               </a:ext>
             </a:extLst>
           </p:cNvPr>
@@ -488,7 +488,7 @@
           <p:cNvPr id="6" name="灯片编号占位符 5">
             <a:extLst>
               <a:ext uri="{FF2B5EF4-FFF2-40B4-BE49-F238E27FC236}">
-                <a16:creationId xmlns:a16="http://schemas.microsoft.com/office/drawing/2014/main" id="{B029674D-8618-5919-9DCD-78A12462C572}"/>
+                <a16:creationId xmlns:a16="http://schemas.microsoft.com/office/drawing/2014/main" id="{73ED2FD7-F0AC-641E-8C15-9821A36D7ADC}"/>
               </a:ext>
             </a:extLst>
           </p:cNvPr>
@@ -504,7 +504,7 @@
           <a:bodyPr/>
           <a:lstStyle/>
           <a:p>
-            <a:fld id="{FCA085D0-F506-419E-B3FE-CDCD387DF782}" type="slidenum">
+            <a:fld id="{18FB5DC9-17FE-45DD-8A92-6C9018214740}" type="slidenum">
               <a:rPr lang="zh-CN" altLang="en-US" smtClean="0"/>
               <a:t>‹#›</a:t>
             </a:fld>
@@ -515,7 +515,7 @@
     </p:spTree>
     <p:extLst>
       <p:ext uri="{BB962C8B-B14F-4D97-AF65-F5344CB8AC3E}">
-        <p14:creationId xmlns:p14="http://schemas.microsoft.com/office/powerpoint/2010/main" val="2301067034"/>
+        <p14:creationId xmlns:p14="http://schemas.microsoft.com/office/powerpoint/2010/main" val="2904942378"/>
       </p:ext>
     </p:extLst>
   </p:cSld>
@@ -547,7 +547,7 @@
           <p:cNvPr id="2" name="竖排标题 1">
             <a:extLst>
               <a:ext uri="{FF2B5EF4-FFF2-40B4-BE49-F238E27FC236}">
-                <a16:creationId xmlns:a16="http://schemas.microsoft.com/office/drawing/2014/main" id="{E3F561BD-4E4A-E639-4085-8A46E9A64C0C}"/>
+                <a16:creationId xmlns:a16="http://schemas.microsoft.com/office/drawing/2014/main" id="{CF5C15BF-B3BC-E3B3-29B9-16F1597DDC16}"/>
               </a:ext>
             </a:extLst>
           </p:cNvPr>
@@ -580,7 +580,7 @@
           <p:cNvPr id="3" name="竖排文字占位符 2">
             <a:extLst>
               <a:ext uri="{FF2B5EF4-FFF2-40B4-BE49-F238E27FC236}">
-                <a16:creationId xmlns:a16="http://schemas.microsoft.com/office/drawing/2014/main" id="{A4F8D306-18A7-39E4-79B2-C1E6318C6B00}"/>
+                <a16:creationId xmlns:a16="http://schemas.microsoft.com/office/drawing/2014/main" id="{D33F54F6-F37A-8292-1AB3-0D766488C29A}"/>
               </a:ext>
             </a:extLst>
           </p:cNvPr>
@@ -642,7 +642,7 @@
           <p:cNvPr id="4" name="日期占位符 3">
             <a:extLst>
               <a:ext uri="{FF2B5EF4-FFF2-40B4-BE49-F238E27FC236}">
-                <a16:creationId xmlns:a16="http://schemas.microsoft.com/office/drawing/2014/main" id="{BC229143-437D-3707-394B-C1265456EF6B}"/>
+                <a16:creationId xmlns:a16="http://schemas.microsoft.com/office/drawing/2014/main" id="{DABF97F9-B21D-C2C6-68FA-9944631013B5}"/>
               </a:ext>
             </a:extLst>
           </p:cNvPr>
@@ -658,7 +658,7 @@
           <a:bodyPr/>
           <a:lstStyle/>
           <a:p>
-            <a:fld id="{58B01C3C-30F4-4016-B900-8C852BEBD975}" type="datetimeFigureOut">
+            <a:fld id="{61828B04-9AA6-4F63-9CFD-5CADDC9684DA}" type="datetimeFigureOut">
               <a:rPr lang="zh-CN" altLang="en-US" smtClean="0"/>
               <a:t>2024/3/10</a:t>
             </a:fld>
@@ -671,7 +671,7 @@
           <p:cNvPr id="5" name="页脚占位符 4">
             <a:extLst>
               <a:ext uri="{FF2B5EF4-FFF2-40B4-BE49-F238E27FC236}">
-                <a16:creationId xmlns:a16="http://schemas.microsoft.com/office/drawing/2014/main" id="{F68B06DA-85CF-583F-7730-3A45AB2D9B33}"/>
+                <a16:creationId xmlns:a16="http://schemas.microsoft.com/office/drawing/2014/main" id="{C953CD89-F109-1573-D241-D8E0924B6F4E}"/>
               </a:ext>
             </a:extLst>
           </p:cNvPr>
@@ -696,7 +696,7 @@
           <p:cNvPr id="6" name="灯片编号占位符 5">
             <a:extLst>
               <a:ext uri="{FF2B5EF4-FFF2-40B4-BE49-F238E27FC236}">
-                <a16:creationId xmlns:a16="http://schemas.microsoft.com/office/drawing/2014/main" id="{0E327904-2A06-BFCF-34D0-B9FCBBA85D91}"/>
+                <a16:creationId xmlns:a16="http://schemas.microsoft.com/office/drawing/2014/main" id="{1C9320F7-16BA-05CA-E1A4-D9B973126FBB}"/>
               </a:ext>
             </a:extLst>
           </p:cNvPr>
@@ -712,7 +712,7 @@
           <a:bodyPr/>
           <a:lstStyle/>
           <a:p>
-            <a:fld id="{FCA085D0-F506-419E-B3FE-CDCD387DF782}" type="slidenum">
+            <a:fld id="{18FB5DC9-17FE-45DD-8A92-6C9018214740}" type="slidenum">
               <a:rPr lang="zh-CN" altLang="en-US" smtClean="0"/>
               <a:t>‹#›</a:t>
             </a:fld>
@@ -723,7 +723,7 @@
     </p:spTree>
     <p:extLst>
       <p:ext uri="{BB962C8B-B14F-4D97-AF65-F5344CB8AC3E}">
-        <p14:creationId xmlns:p14="http://schemas.microsoft.com/office/powerpoint/2010/main" val="775000949"/>
+        <p14:creationId xmlns:p14="http://schemas.microsoft.com/office/powerpoint/2010/main" val="4265907815"/>
       </p:ext>
     </p:extLst>
   </p:cSld>
@@ -755,7 +755,7 @@
           <p:cNvPr id="2" name="标题 1">
             <a:extLst>
               <a:ext uri="{FF2B5EF4-FFF2-40B4-BE49-F238E27FC236}">
-                <a16:creationId xmlns:a16="http://schemas.microsoft.com/office/drawing/2014/main" id="{802D7485-C2BD-772C-C7D9-E160EC7E300E}"/>
+                <a16:creationId xmlns:a16="http://schemas.microsoft.com/office/drawing/2014/main" id="{8548D63D-B0C2-7B94-ABF1-E16B7706719B}"/>
               </a:ext>
             </a:extLst>
           </p:cNvPr>
@@ -783,7 +783,7 @@
           <p:cNvPr id="3" name="内容占位符 2">
             <a:extLst>
               <a:ext uri="{FF2B5EF4-FFF2-40B4-BE49-F238E27FC236}">
-                <a16:creationId xmlns:a16="http://schemas.microsoft.com/office/drawing/2014/main" id="{214C9CF4-9C86-0393-4499-616ED8CE33F1}"/>
+                <a16:creationId xmlns:a16="http://schemas.microsoft.com/office/drawing/2014/main" id="{F77C7243-4CB3-6F2A-FA49-A56C7A22FB55}"/>
               </a:ext>
             </a:extLst>
           </p:cNvPr>
@@ -840,7 +840,7 @@
           <p:cNvPr id="4" name="日期占位符 3">
             <a:extLst>
               <a:ext uri="{FF2B5EF4-FFF2-40B4-BE49-F238E27FC236}">
-                <a16:creationId xmlns:a16="http://schemas.microsoft.com/office/drawing/2014/main" id="{E91A77F7-32B1-10D9-0B65-A34C979B304E}"/>
+                <a16:creationId xmlns:a16="http://schemas.microsoft.com/office/drawing/2014/main" id="{DB25F4BB-A5C9-8B17-D211-F1A17572AF97}"/>
               </a:ext>
             </a:extLst>
           </p:cNvPr>
@@ -856,7 +856,7 @@
           <a:bodyPr/>
           <a:lstStyle/>
           <a:p>
-            <a:fld id="{58B01C3C-30F4-4016-B900-8C852BEBD975}" type="datetimeFigureOut">
+            <a:fld id="{61828B04-9AA6-4F63-9CFD-5CADDC9684DA}" type="datetimeFigureOut">
               <a:rPr lang="zh-CN" altLang="en-US" smtClean="0"/>
               <a:t>2024/3/10</a:t>
             </a:fld>
@@ -869,7 +869,7 @@
           <p:cNvPr id="5" name="页脚占位符 4">
             <a:extLst>
               <a:ext uri="{FF2B5EF4-FFF2-40B4-BE49-F238E27FC236}">
-                <a16:creationId xmlns:a16="http://schemas.microsoft.com/office/drawing/2014/main" id="{C62DC7D4-9E0E-B81B-B5A0-600B1CFBDA32}"/>
+                <a16:creationId xmlns:a16="http://schemas.microsoft.com/office/drawing/2014/main" id="{20775F3D-0901-8FC3-EBB4-E00BABDBE909}"/>
               </a:ext>
             </a:extLst>
           </p:cNvPr>
@@ -894,7 +894,7 @@
           <p:cNvPr id="6" name="灯片编号占位符 5">
             <a:extLst>
               <a:ext uri="{FF2B5EF4-FFF2-40B4-BE49-F238E27FC236}">
-                <a16:creationId xmlns:a16="http://schemas.microsoft.com/office/drawing/2014/main" id="{13E62B83-B01A-76F8-D5A2-D9058061C7F6}"/>
+                <a16:creationId xmlns:a16="http://schemas.microsoft.com/office/drawing/2014/main" id="{5BE516C2-C140-DB3D-373B-8864F4599241}"/>
               </a:ext>
             </a:extLst>
           </p:cNvPr>
@@ -910,7 +910,7 @@
           <a:bodyPr/>
           <a:lstStyle/>
           <a:p>
-            <a:fld id="{FCA085D0-F506-419E-B3FE-CDCD387DF782}" type="slidenum">
+            <a:fld id="{18FB5DC9-17FE-45DD-8A92-6C9018214740}" type="slidenum">
               <a:rPr lang="zh-CN" altLang="en-US" smtClean="0"/>
               <a:t>‹#›</a:t>
             </a:fld>
@@ -921,7 +921,7 @@
     </p:spTree>
     <p:extLst>
       <p:ext uri="{BB962C8B-B14F-4D97-AF65-F5344CB8AC3E}">
-        <p14:creationId xmlns:p14="http://schemas.microsoft.com/office/powerpoint/2010/main" val="2993445081"/>
+        <p14:creationId xmlns:p14="http://schemas.microsoft.com/office/powerpoint/2010/main" val="3495402330"/>
       </p:ext>
     </p:extLst>
   </p:cSld>
@@ -953,7 +953,7 @@
           <p:cNvPr id="2" name="标题 1">
             <a:extLst>
               <a:ext uri="{FF2B5EF4-FFF2-40B4-BE49-F238E27FC236}">
-                <a16:creationId xmlns:a16="http://schemas.microsoft.com/office/drawing/2014/main" id="{A5E6E17B-C68C-9B95-D90D-50F3B0884401}"/>
+                <a16:creationId xmlns:a16="http://schemas.microsoft.com/office/drawing/2014/main" id="{14553541-E0AF-7D3E-0BFA-1C3DC904118B}"/>
               </a:ext>
             </a:extLst>
           </p:cNvPr>
@@ -990,7 +990,7 @@
           <p:cNvPr id="3" name="文本占位符 2">
             <a:extLst>
               <a:ext uri="{FF2B5EF4-FFF2-40B4-BE49-F238E27FC236}">
-                <a16:creationId xmlns:a16="http://schemas.microsoft.com/office/drawing/2014/main" id="{5F3A7AC1-98FA-D174-4581-CDD9368AC9D4}"/>
+                <a16:creationId xmlns:a16="http://schemas.microsoft.com/office/drawing/2014/main" id="{7B31BACD-C129-43DF-F668-5DF1189C78A2}"/>
               </a:ext>
             </a:extLst>
           </p:cNvPr>
@@ -1115,7 +1115,7 @@
           <p:cNvPr id="4" name="日期占位符 3">
             <a:extLst>
               <a:ext uri="{FF2B5EF4-FFF2-40B4-BE49-F238E27FC236}">
-                <a16:creationId xmlns:a16="http://schemas.microsoft.com/office/drawing/2014/main" id="{18FF80B9-9DEF-805C-D5F2-49D5033C13FC}"/>
+                <a16:creationId xmlns:a16="http://schemas.microsoft.com/office/drawing/2014/main" id="{5AF50B54-9158-5F4F-F5D5-AF3D7EE8E2EB}"/>
               </a:ext>
             </a:extLst>
           </p:cNvPr>
@@ -1131,7 +1131,7 @@
           <a:bodyPr/>
           <a:lstStyle/>
           <a:p>
-            <a:fld id="{58B01C3C-30F4-4016-B900-8C852BEBD975}" type="datetimeFigureOut">
+            <a:fld id="{61828B04-9AA6-4F63-9CFD-5CADDC9684DA}" type="datetimeFigureOut">
               <a:rPr lang="zh-CN" altLang="en-US" smtClean="0"/>
               <a:t>2024/3/10</a:t>
             </a:fld>
@@ -1144,7 +1144,7 @@
           <p:cNvPr id="5" name="页脚占位符 4">
             <a:extLst>
               <a:ext uri="{FF2B5EF4-FFF2-40B4-BE49-F238E27FC236}">
-                <a16:creationId xmlns:a16="http://schemas.microsoft.com/office/drawing/2014/main" id="{54CACAA1-4DEE-BE5C-D41D-D159F4A4B989}"/>
+                <a16:creationId xmlns:a16="http://schemas.microsoft.com/office/drawing/2014/main" id="{2B074338-643F-099C-D40D-1291D811AF12}"/>
               </a:ext>
             </a:extLst>
           </p:cNvPr>
@@ -1169,7 +1169,7 @@
           <p:cNvPr id="6" name="灯片编号占位符 5">
             <a:extLst>
               <a:ext uri="{FF2B5EF4-FFF2-40B4-BE49-F238E27FC236}">
-                <a16:creationId xmlns:a16="http://schemas.microsoft.com/office/drawing/2014/main" id="{0677908A-9972-447D-B5F2-F05AE51A8038}"/>
+                <a16:creationId xmlns:a16="http://schemas.microsoft.com/office/drawing/2014/main" id="{34E258F1-C23B-E127-4C97-C39D2D6E1CF1}"/>
               </a:ext>
             </a:extLst>
           </p:cNvPr>
@@ -1185,7 +1185,7 @@
           <a:bodyPr/>
           <a:lstStyle/>
           <a:p>
-            <a:fld id="{FCA085D0-F506-419E-B3FE-CDCD387DF782}" type="slidenum">
+            <a:fld id="{18FB5DC9-17FE-45DD-8A92-6C9018214740}" type="slidenum">
               <a:rPr lang="zh-CN" altLang="en-US" smtClean="0"/>
               <a:t>‹#›</a:t>
             </a:fld>
@@ -1196,7 +1196,7 @@
     </p:spTree>
     <p:extLst>
       <p:ext uri="{BB962C8B-B14F-4D97-AF65-F5344CB8AC3E}">
-        <p14:creationId xmlns:p14="http://schemas.microsoft.com/office/powerpoint/2010/main" val="2720113447"/>
+        <p14:creationId xmlns:p14="http://schemas.microsoft.com/office/powerpoint/2010/main" val="2148759515"/>
       </p:ext>
     </p:extLst>
   </p:cSld>
@@ -1228,7 +1228,7 @@
           <p:cNvPr id="2" name="标题 1">
             <a:extLst>
               <a:ext uri="{FF2B5EF4-FFF2-40B4-BE49-F238E27FC236}">
-                <a16:creationId xmlns:a16="http://schemas.microsoft.com/office/drawing/2014/main" id="{A1E79ECB-5BB6-94CD-6B5D-0F164D6201E7}"/>
+                <a16:creationId xmlns:a16="http://schemas.microsoft.com/office/drawing/2014/main" id="{4D65FE92-7C6C-DB66-767C-58787EDB23B2}"/>
               </a:ext>
             </a:extLst>
           </p:cNvPr>
@@ -1256,7 +1256,7 @@
           <p:cNvPr id="3" name="内容占位符 2">
             <a:extLst>
               <a:ext uri="{FF2B5EF4-FFF2-40B4-BE49-F238E27FC236}">
-                <a16:creationId xmlns:a16="http://schemas.microsoft.com/office/drawing/2014/main" id="{A06C8B70-147A-A1BD-CAED-59DCFDB0B4F7}"/>
+                <a16:creationId xmlns:a16="http://schemas.microsoft.com/office/drawing/2014/main" id="{03558603-399E-130B-B49C-869A804EDDD6}"/>
               </a:ext>
             </a:extLst>
           </p:cNvPr>
@@ -1318,7 +1318,7 @@
           <p:cNvPr id="4" name="内容占位符 3">
             <a:extLst>
               <a:ext uri="{FF2B5EF4-FFF2-40B4-BE49-F238E27FC236}">
-                <a16:creationId xmlns:a16="http://schemas.microsoft.com/office/drawing/2014/main" id="{F50F8CFD-4006-A99D-CA88-1B04BC358345}"/>
+                <a16:creationId xmlns:a16="http://schemas.microsoft.com/office/drawing/2014/main" id="{1CE54E18-478B-2248-88F7-26BA405C5AE9}"/>
               </a:ext>
             </a:extLst>
           </p:cNvPr>
@@ -1380,7 +1380,7 @@
           <p:cNvPr id="5" name="日期占位符 4">
             <a:extLst>
               <a:ext uri="{FF2B5EF4-FFF2-40B4-BE49-F238E27FC236}">
-                <a16:creationId xmlns:a16="http://schemas.microsoft.com/office/drawing/2014/main" id="{2499A0C8-0D20-5602-787C-F23FFD5003C5}"/>
+                <a16:creationId xmlns:a16="http://schemas.microsoft.com/office/drawing/2014/main" id="{6B8E81ED-37D0-2384-1CE5-0DDBAFC32608}"/>
               </a:ext>
             </a:extLst>
           </p:cNvPr>
@@ -1396,7 +1396,7 @@
           <a:bodyPr/>
           <a:lstStyle/>
           <a:p>
-            <a:fld id="{58B01C3C-30F4-4016-B900-8C852BEBD975}" type="datetimeFigureOut">
+            <a:fld id="{61828B04-9AA6-4F63-9CFD-5CADDC9684DA}" type="datetimeFigureOut">
               <a:rPr lang="zh-CN" altLang="en-US" smtClean="0"/>
               <a:t>2024/3/10</a:t>
             </a:fld>
@@ -1409,7 +1409,7 @@
           <p:cNvPr id="6" name="页脚占位符 5">
             <a:extLst>
               <a:ext uri="{FF2B5EF4-FFF2-40B4-BE49-F238E27FC236}">
-                <a16:creationId xmlns:a16="http://schemas.microsoft.com/office/drawing/2014/main" id="{42B7C7A5-51F9-A0EF-9711-E119D664EC8A}"/>
+                <a16:creationId xmlns:a16="http://schemas.microsoft.com/office/drawing/2014/main" id="{6731BC16-7464-C6E4-DB4D-681A9A3A8573}"/>
               </a:ext>
             </a:extLst>
           </p:cNvPr>
@@ -1434,7 +1434,7 @@
           <p:cNvPr id="7" name="灯片编号占位符 6">
             <a:extLst>
               <a:ext uri="{FF2B5EF4-FFF2-40B4-BE49-F238E27FC236}">
-                <a16:creationId xmlns:a16="http://schemas.microsoft.com/office/drawing/2014/main" id="{A8AFA7EF-8509-F1B6-7AEC-BA727F06B964}"/>
+                <a16:creationId xmlns:a16="http://schemas.microsoft.com/office/drawing/2014/main" id="{347F1FEF-406B-CC86-3951-2450662D3D06}"/>
               </a:ext>
             </a:extLst>
           </p:cNvPr>
@@ -1450,7 +1450,7 @@
           <a:bodyPr/>
           <a:lstStyle/>
           <a:p>
-            <a:fld id="{FCA085D0-F506-419E-B3FE-CDCD387DF782}" type="slidenum">
+            <a:fld id="{18FB5DC9-17FE-45DD-8A92-6C9018214740}" type="slidenum">
               <a:rPr lang="zh-CN" altLang="en-US" smtClean="0"/>
               <a:t>‹#›</a:t>
             </a:fld>
@@ -1461,7 +1461,7 @@
     </p:spTree>
     <p:extLst>
       <p:ext uri="{BB962C8B-B14F-4D97-AF65-F5344CB8AC3E}">
-        <p14:creationId xmlns:p14="http://schemas.microsoft.com/office/powerpoint/2010/main" val="2672560707"/>
+        <p14:creationId xmlns:p14="http://schemas.microsoft.com/office/powerpoint/2010/main" val="2394475811"/>
       </p:ext>
     </p:extLst>
   </p:cSld>
@@ -1493,7 +1493,7 @@
           <p:cNvPr id="2" name="标题 1">
             <a:extLst>
               <a:ext uri="{FF2B5EF4-FFF2-40B4-BE49-F238E27FC236}">
-                <a16:creationId xmlns:a16="http://schemas.microsoft.com/office/drawing/2014/main" id="{7D823601-28F6-2473-0A89-AAEAE8F5CCE8}"/>
+                <a16:creationId xmlns:a16="http://schemas.microsoft.com/office/drawing/2014/main" id="{9EA6A02F-3DD2-52E8-E60B-BD8B9880B450}"/>
               </a:ext>
             </a:extLst>
           </p:cNvPr>
@@ -1526,7 +1526,7 @@
           <p:cNvPr id="3" name="文本占位符 2">
             <a:extLst>
               <a:ext uri="{FF2B5EF4-FFF2-40B4-BE49-F238E27FC236}">
-                <a16:creationId xmlns:a16="http://schemas.microsoft.com/office/drawing/2014/main" id="{C9B5940D-B9FC-E200-1EB8-A25593F5F173}"/>
+                <a16:creationId xmlns:a16="http://schemas.microsoft.com/office/drawing/2014/main" id="{8907B3FE-7D8D-BDE7-1A93-20C304E28F0E}"/>
               </a:ext>
             </a:extLst>
           </p:cNvPr>
@@ -1597,7 +1597,7 @@
           <p:cNvPr id="4" name="内容占位符 3">
             <a:extLst>
               <a:ext uri="{FF2B5EF4-FFF2-40B4-BE49-F238E27FC236}">
-                <a16:creationId xmlns:a16="http://schemas.microsoft.com/office/drawing/2014/main" id="{CD235340-F813-3815-94A4-1A3D0E7C349A}"/>
+                <a16:creationId xmlns:a16="http://schemas.microsoft.com/office/drawing/2014/main" id="{2CCF78F1-4611-6405-81CC-351D9E295634}"/>
               </a:ext>
             </a:extLst>
           </p:cNvPr>
@@ -1659,7 +1659,7 @@
           <p:cNvPr id="5" name="文本占位符 4">
             <a:extLst>
               <a:ext uri="{FF2B5EF4-FFF2-40B4-BE49-F238E27FC236}">
-                <a16:creationId xmlns:a16="http://schemas.microsoft.com/office/drawing/2014/main" id="{0C5DBAFE-BE10-CA84-EF11-7511F1223C0F}"/>
+                <a16:creationId xmlns:a16="http://schemas.microsoft.com/office/drawing/2014/main" id="{ADBB5D4B-5CB9-9927-158C-5745CE45BC3F}"/>
               </a:ext>
             </a:extLst>
           </p:cNvPr>
@@ -1730,7 +1730,7 @@
           <p:cNvPr id="6" name="内容占位符 5">
             <a:extLst>
               <a:ext uri="{FF2B5EF4-FFF2-40B4-BE49-F238E27FC236}">
-                <a16:creationId xmlns:a16="http://schemas.microsoft.com/office/drawing/2014/main" id="{7070DCD3-22EB-E112-3619-C17BCC2E758B}"/>
+                <a16:creationId xmlns:a16="http://schemas.microsoft.com/office/drawing/2014/main" id="{E4908125-4BBC-753C-5AF3-231CCA21D441}"/>
               </a:ext>
             </a:extLst>
           </p:cNvPr>
@@ -1792,7 +1792,7 @@
           <p:cNvPr id="7" name="日期占位符 6">
             <a:extLst>
               <a:ext uri="{FF2B5EF4-FFF2-40B4-BE49-F238E27FC236}">
-                <a16:creationId xmlns:a16="http://schemas.microsoft.com/office/drawing/2014/main" id="{7F80A5BD-67B8-DA31-C887-15A8BA54A50F}"/>
+                <a16:creationId xmlns:a16="http://schemas.microsoft.com/office/drawing/2014/main" id="{8E0E57E7-ADDF-6DAF-1CBC-1A4B1FDBE847}"/>
               </a:ext>
             </a:extLst>
           </p:cNvPr>
@@ -1808,7 +1808,7 @@
           <a:bodyPr/>
           <a:lstStyle/>
           <a:p>
-            <a:fld id="{58B01C3C-30F4-4016-B900-8C852BEBD975}" type="datetimeFigureOut">
+            <a:fld id="{61828B04-9AA6-4F63-9CFD-5CADDC9684DA}" type="datetimeFigureOut">
               <a:rPr lang="zh-CN" altLang="en-US" smtClean="0"/>
               <a:t>2024/3/10</a:t>
             </a:fld>
@@ -1821,7 +1821,7 @@
           <p:cNvPr id="8" name="页脚占位符 7">
             <a:extLst>
               <a:ext uri="{FF2B5EF4-FFF2-40B4-BE49-F238E27FC236}">
-                <a16:creationId xmlns:a16="http://schemas.microsoft.com/office/drawing/2014/main" id="{06E3D46E-7E46-E795-4D36-2D40E0F93AF0}"/>
+                <a16:creationId xmlns:a16="http://schemas.microsoft.com/office/drawing/2014/main" id="{DBA63DE8-BD24-30C2-3C85-CCA7FE9A29FE}"/>
               </a:ext>
             </a:extLst>
           </p:cNvPr>
@@ -1846,7 +1846,7 @@
           <p:cNvPr id="9" name="灯片编号占位符 8">
             <a:extLst>
               <a:ext uri="{FF2B5EF4-FFF2-40B4-BE49-F238E27FC236}">
-                <a16:creationId xmlns:a16="http://schemas.microsoft.com/office/drawing/2014/main" id="{365F52D8-232C-1100-A93F-9EDD030EA705}"/>
+                <a16:creationId xmlns:a16="http://schemas.microsoft.com/office/drawing/2014/main" id="{739A087D-35E8-1D9D-8CB6-410B9A81D282}"/>
               </a:ext>
             </a:extLst>
           </p:cNvPr>
@@ -1862,7 +1862,7 @@
           <a:bodyPr/>
           <a:lstStyle/>
           <a:p>
-            <a:fld id="{FCA085D0-F506-419E-B3FE-CDCD387DF782}" type="slidenum">
+            <a:fld id="{18FB5DC9-17FE-45DD-8A92-6C9018214740}" type="slidenum">
               <a:rPr lang="zh-CN" altLang="en-US" smtClean="0"/>
               <a:t>‹#›</a:t>
             </a:fld>
@@ -1873,7 +1873,7 @@
     </p:spTree>
     <p:extLst>
       <p:ext uri="{BB962C8B-B14F-4D97-AF65-F5344CB8AC3E}">
-        <p14:creationId xmlns:p14="http://schemas.microsoft.com/office/powerpoint/2010/main" val="3029764702"/>
+        <p14:creationId xmlns:p14="http://schemas.microsoft.com/office/powerpoint/2010/main" val="3514134860"/>
       </p:ext>
     </p:extLst>
   </p:cSld>
@@ -1905,7 +1905,7 @@
           <p:cNvPr id="2" name="标题 1">
             <a:extLst>
               <a:ext uri="{FF2B5EF4-FFF2-40B4-BE49-F238E27FC236}">
-                <a16:creationId xmlns:a16="http://schemas.microsoft.com/office/drawing/2014/main" id="{3283C78A-6CF3-1EFE-565F-7CB0DBD1E0C0}"/>
+                <a16:creationId xmlns:a16="http://schemas.microsoft.com/office/drawing/2014/main" id="{ED371507-4920-3449-0189-DFFD241E6807}"/>
               </a:ext>
             </a:extLst>
           </p:cNvPr>
@@ -1933,7 +1933,7 @@
           <p:cNvPr id="3" name="日期占位符 2">
             <a:extLst>
               <a:ext uri="{FF2B5EF4-FFF2-40B4-BE49-F238E27FC236}">
-                <a16:creationId xmlns:a16="http://schemas.microsoft.com/office/drawing/2014/main" id="{FD800616-F805-7FB5-15CB-316E080B34EC}"/>
+                <a16:creationId xmlns:a16="http://schemas.microsoft.com/office/drawing/2014/main" id="{6DFEACAA-7EB9-8F9A-F72E-E285B69F2281}"/>
               </a:ext>
             </a:extLst>
           </p:cNvPr>
@@ -1949,7 +1949,7 @@
           <a:bodyPr/>
           <a:lstStyle/>
           <a:p>
-            <a:fld id="{58B01C3C-30F4-4016-B900-8C852BEBD975}" type="datetimeFigureOut">
+            <a:fld id="{61828B04-9AA6-4F63-9CFD-5CADDC9684DA}" type="datetimeFigureOut">
               <a:rPr lang="zh-CN" altLang="en-US" smtClean="0"/>
               <a:t>2024/3/10</a:t>
             </a:fld>
@@ -1962,7 +1962,7 @@
           <p:cNvPr id="4" name="页脚占位符 3">
             <a:extLst>
               <a:ext uri="{FF2B5EF4-FFF2-40B4-BE49-F238E27FC236}">
-                <a16:creationId xmlns:a16="http://schemas.microsoft.com/office/drawing/2014/main" id="{5E3EE5DF-1EA9-11A6-E3F6-DBACA1762602}"/>
+                <a16:creationId xmlns:a16="http://schemas.microsoft.com/office/drawing/2014/main" id="{F017A7FC-F881-A2DE-C5A3-01DD592DFF40}"/>
               </a:ext>
             </a:extLst>
           </p:cNvPr>
@@ -1987,7 +1987,7 @@
           <p:cNvPr id="5" name="灯片编号占位符 4">
             <a:extLst>
               <a:ext uri="{FF2B5EF4-FFF2-40B4-BE49-F238E27FC236}">
-                <a16:creationId xmlns:a16="http://schemas.microsoft.com/office/drawing/2014/main" id="{3B845398-DFF2-5611-8D1E-0761A48A5FD6}"/>
+                <a16:creationId xmlns:a16="http://schemas.microsoft.com/office/drawing/2014/main" id="{4A4FC883-D209-06BC-D61F-BC223F8BF580}"/>
               </a:ext>
             </a:extLst>
           </p:cNvPr>
@@ -2003,7 +2003,7 @@
           <a:bodyPr/>
           <a:lstStyle/>
           <a:p>
-            <a:fld id="{FCA085D0-F506-419E-B3FE-CDCD387DF782}" type="slidenum">
+            <a:fld id="{18FB5DC9-17FE-45DD-8A92-6C9018214740}" type="slidenum">
               <a:rPr lang="zh-CN" altLang="en-US" smtClean="0"/>
               <a:t>‹#›</a:t>
             </a:fld>
@@ -2014,7 +2014,7 @@
     </p:spTree>
     <p:extLst>
       <p:ext uri="{BB962C8B-B14F-4D97-AF65-F5344CB8AC3E}">
-        <p14:creationId xmlns:p14="http://schemas.microsoft.com/office/powerpoint/2010/main" val="538812161"/>
+        <p14:creationId xmlns:p14="http://schemas.microsoft.com/office/powerpoint/2010/main" val="4141176403"/>
       </p:ext>
     </p:extLst>
   </p:cSld>
@@ -2046,7 +2046,7 @@
           <p:cNvPr id="2" name="日期占位符 1">
             <a:extLst>
               <a:ext uri="{FF2B5EF4-FFF2-40B4-BE49-F238E27FC236}">
-                <a16:creationId xmlns:a16="http://schemas.microsoft.com/office/drawing/2014/main" id="{3C59B626-3A6B-3C1A-BCCD-D39488DE6144}"/>
+                <a16:creationId xmlns:a16="http://schemas.microsoft.com/office/drawing/2014/main" id="{23AF3902-4222-A788-6E2E-C11EEE967197}"/>
               </a:ext>
             </a:extLst>
           </p:cNvPr>
@@ -2062,7 +2062,7 @@
           <a:bodyPr/>
           <a:lstStyle/>
           <a:p>
-            <a:fld id="{58B01C3C-30F4-4016-B900-8C852BEBD975}" type="datetimeFigureOut">
+            <a:fld id="{61828B04-9AA6-4F63-9CFD-5CADDC9684DA}" type="datetimeFigureOut">
               <a:rPr lang="zh-CN" altLang="en-US" smtClean="0"/>
               <a:t>2024/3/10</a:t>
             </a:fld>
@@ -2075,7 +2075,7 @@
           <p:cNvPr id="3" name="页脚占位符 2">
             <a:extLst>
               <a:ext uri="{FF2B5EF4-FFF2-40B4-BE49-F238E27FC236}">
-                <a16:creationId xmlns:a16="http://schemas.microsoft.com/office/drawing/2014/main" id="{EDDBC6FA-6C4F-28AE-C59A-7FDC96E13130}"/>
+                <a16:creationId xmlns:a16="http://schemas.microsoft.com/office/drawing/2014/main" id="{FC703A9F-077F-8518-5A68-66EDB88E513E}"/>
               </a:ext>
             </a:extLst>
           </p:cNvPr>
@@ -2100,7 +2100,7 @@
           <p:cNvPr id="4" name="灯片编号占位符 3">
             <a:extLst>
               <a:ext uri="{FF2B5EF4-FFF2-40B4-BE49-F238E27FC236}">
-                <a16:creationId xmlns:a16="http://schemas.microsoft.com/office/drawing/2014/main" id="{CD87A3E2-8EC9-0BFF-0F5C-5B2E756E4F02}"/>
+                <a16:creationId xmlns:a16="http://schemas.microsoft.com/office/drawing/2014/main" id="{2A066794-CB12-5A1D-779D-BFB8CEEF1833}"/>
               </a:ext>
             </a:extLst>
           </p:cNvPr>
@@ -2116,7 +2116,7 @@
           <a:bodyPr/>
           <a:lstStyle/>
           <a:p>
-            <a:fld id="{FCA085D0-F506-419E-B3FE-CDCD387DF782}" type="slidenum">
+            <a:fld id="{18FB5DC9-17FE-45DD-8A92-6C9018214740}" type="slidenum">
               <a:rPr lang="zh-CN" altLang="en-US" smtClean="0"/>
               <a:t>‹#›</a:t>
             </a:fld>
@@ -2127,7 +2127,7 @@
     </p:spTree>
     <p:extLst>
       <p:ext uri="{BB962C8B-B14F-4D97-AF65-F5344CB8AC3E}">
-        <p14:creationId xmlns:p14="http://schemas.microsoft.com/office/powerpoint/2010/main" val="2605861323"/>
+        <p14:creationId xmlns:p14="http://schemas.microsoft.com/office/powerpoint/2010/main" val="712707798"/>
       </p:ext>
     </p:extLst>
   </p:cSld>
@@ -2159,7 +2159,7 @@
           <p:cNvPr id="2" name="标题 1">
             <a:extLst>
               <a:ext uri="{FF2B5EF4-FFF2-40B4-BE49-F238E27FC236}">
-                <a16:creationId xmlns:a16="http://schemas.microsoft.com/office/drawing/2014/main" id="{AE0DEDDE-92DA-0B02-E14F-D9A64E140C50}"/>
+                <a16:creationId xmlns:a16="http://schemas.microsoft.com/office/drawing/2014/main" id="{1C574B00-98A0-2B7E-E256-3BA8424EE84E}"/>
               </a:ext>
             </a:extLst>
           </p:cNvPr>
@@ -2196,7 +2196,7 @@
           <p:cNvPr id="3" name="内容占位符 2">
             <a:extLst>
               <a:ext uri="{FF2B5EF4-FFF2-40B4-BE49-F238E27FC236}">
-                <a16:creationId xmlns:a16="http://schemas.microsoft.com/office/drawing/2014/main" id="{4B4DB0D1-6D46-DBFB-9F7B-A98962B367BF}"/>
+                <a16:creationId xmlns:a16="http://schemas.microsoft.com/office/drawing/2014/main" id="{2A5F54F0-72A1-FB95-26FC-EBCD7F90D36E}"/>
               </a:ext>
             </a:extLst>
           </p:cNvPr>
@@ -2286,7 +2286,7 @@
           <p:cNvPr id="4" name="文本占位符 3">
             <a:extLst>
               <a:ext uri="{FF2B5EF4-FFF2-40B4-BE49-F238E27FC236}">
-                <a16:creationId xmlns:a16="http://schemas.microsoft.com/office/drawing/2014/main" id="{FBC90312-C641-F15B-DC25-A8ECCC1048C2}"/>
+                <a16:creationId xmlns:a16="http://schemas.microsoft.com/office/drawing/2014/main" id="{FCA2A167-0B3E-92CC-1BC8-0F0A63405C5B}"/>
               </a:ext>
             </a:extLst>
           </p:cNvPr>
@@ -2357,7 +2357,7 @@
           <p:cNvPr id="5" name="日期占位符 4">
             <a:extLst>
               <a:ext uri="{FF2B5EF4-FFF2-40B4-BE49-F238E27FC236}">
-                <a16:creationId xmlns:a16="http://schemas.microsoft.com/office/drawing/2014/main" id="{D1B93CB5-15E8-DD8D-DEF1-5FCAD0577220}"/>
+                <a16:creationId xmlns:a16="http://schemas.microsoft.com/office/drawing/2014/main" id="{536D1658-4845-579C-046F-0AC619A23D9A}"/>
               </a:ext>
             </a:extLst>
           </p:cNvPr>
@@ -2373,7 +2373,7 @@
           <a:bodyPr/>
           <a:lstStyle/>
           <a:p>
-            <a:fld id="{58B01C3C-30F4-4016-B900-8C852BEBD975}" type="datetimeFigureOut">
+            <a:fld id="{61828B04-9AA6-4F63-9CFD-5CADDC9684DA}" type="datetimeFigureOut">
               <a:rPr lang="zh-CN" altLang="en-US" smtClean="0"/>
               <a:t>2024/3/10</a:t>
             </a:fld>
@@ -2386,7 +2386,7 @@
           <p:cNvPr id="6" name="页脚占位符 5">
             <a:extLst>
               <a:ext uri="{FF2B5EF4-FFF2-40B4-BE49-F238E27FC236}">
-                <a16:creationId xmlns:a16="http://schemas.microsoft.com/office/drawing/2014/main" id="{3B785B68-1283-DA21-B835-D7AC16F1EDB3}"/>
+                <a16:creationId xmlns:a16="http://schemas.microsoft.com/office/drawing/2014/main" id="{D189525D-9D2D-5FF1-7DF9-212E41E1239A}"/>
               </a:ext>
             </a:extLst>
           </p:cNvPr>
@@ -2411,7 +2411,7 @@
           <p:cNvPr id="7" name="灯片编号占位符 6">
             <a:extLst>
               <a:ext uri="{FF2B5EF4-FFF2-40B4-BE49-F238E27FC236}">
-                <a16:creationId xmlns:a16="http://schemas.microsoft.com/office/drawing/2014/main" id="{DA09D2F7-9829-DD26-B00E-887405A56A3F}"/>
+                <a16:creationId xmlns:a16="http://schemas.microsoft.com/office/drawing/2014/main" id="{918F076C-E94B-EAD0-48F6-0597BB64A169}"/>
               </a:ext>
             </a:extLst>
           </p:cNvPr>
@@ -2427,7 +2427,7 @@
           <a:bodyPr/>
           <a:lstStyle/>
           <a:p>
-            <a:fld id="{FCA085D0-F506-419E-B3FE-CDCD387DF782}" type="slidenum">
+            <a:fld id="{18FB5DC9-17FE-45DD-8A92-6C9018214740}" type="slidenum">
               <a:rPr lang="zh-CN" altLang="en-US" smtClean="0"/>
               <a:t>‹#›</a:t>
             </a:fld>
@@ -2438,7 +2438,7 @@
     </p:spTree>
     <p:extLst>
       <p:ext uri="{BB962C8B-B14F-4D97-AF65-F5344CB8AC3E}">
-        <p14:creationId xmlns:p14="http://schemas.microsoft.com/office/powerpoint/2010/main" val="2353792462"/>
+        <p14:creationId xmlns:p14="http://schemas.microsoft.com/office/powerpoint/2010/main" val="2013705540"/>
       </p:ext>
     </p:extLst>
   </p:cSld>
@@ -2470,7 +2470,7 @@
           <p:cNvPr id="2" name="标题 1">
             <a:extLst>
               <a:ext uri="{FF2B5EF4-FFF2-40B4-BE49-F238E27FC236}">
-                <a16:creationId xmlns:a16="http://schemas.microsoft.com/office/drawing/2014/main" id="{93C84493-2352-15FD-DB5D-9FF9CC6BC02C}"/>
+                <a16:creationId xmlns:a16="http://schemas.microsoft.com/office/drawing/2014/main" id="{0F18564D-9D83-D2F6-0FD1-61ACFF1E0FAD}"/>
               </a:ext>
             </a:extLst>
           </p:cNvPr>
@@ -2507,7 +2507,7 @@
           <p:cNvPr id="3" name="图片占位符 2">
             <a:extLst>
               <a:ext uri="{FF2B5EF4-FFF2-40B4-BE49-F238E27FC236}">
-                <a16:creationId xmlns:a16="http://schemas.microsoft.com/office/drawing/2014/main" id="{59B53AF2-1BBE-50D7-068F-8A4C05B46B3C}"/>
+                <a16:creationId xmlns:a16="http://schemas.microsoft.com/office/drawing/2014/main" id="{8B2856F0-A01A-3CC2-5476-1AE5333579A1}"/>
               </a:ext>
             </a:extLst>
           </p:cNvPr>
@@ -2574,7 +2574,7 @@
           <p:cNvPr id="4" name="文本占位符 3">
             <a:extLst>
               <a:ext uri="{FF2B5EF4-FFF2-40B4-BE49-F238E27FC236}">
-                <a16:creationId xmlns:a16="http://schemas.microsoft.com/office/drawing/2014/main" id="{EFA92722-427D-A079-D325-3196703F9FF6}"/>
+                <a16:creationId xmlns:a16="http://schemas.microsoft.com/office/drawing/2014/main" id="{593EFB8C-9BB6-9B95-9102-0F5B666E1E3E}"/>
               </a:ext>
             </a:extLst>
           </p:cNvPr>
@@ -2645,7 +2645,7 @@
           <p:cNvPr id="5" name="日期占位符 4">
             <a:extLst>
               <a:ext uri="{FF2B5EF4-FFF2-40B4-BE49-F238E27FC236}">
-                <a16:creationId xmlns:a16="http://schemas.microsoft.com/office/drawing/2014/main" id="{94B090D6-22EB-5671-0AA5-C2630EE8EBD4}"/>
+                <a16:creationId xmlns:a16="http://schemas.microsoft.com/office/drawing/2014/main" id="{9DCEC9E5-851D-540C-801C-8F750092E672}"/>
               </a:ext>
             </a:extLst>
           </p:cNvPr>
@@ -2661,7 +2661,7 @@
           <a:bodyPr/>
           <a:lstStyle/>
           <a:p>
-            <a:fld id="{58B01C3C-30F4-4016-B900-8C852BEBD975}" type="datetimeFigureOut">
+            <a:fld id="{61828B04-9AA6-4F63-9CFD-5CADDC9684DA}" type="datetimeFigureOut">
               <a:rPr lang="zh-CN" altLang="en-US" smtClean="0"/>
               <a:t>2024/3/10</a:t>
             </a:fld>
@@ -2674,7 +2674,7 @@
           <p:cNvPr id="6" name="页脚占位符 5">
             <a:extLst>
               <a:ext uri="{FF2B5EF4-FFF2-40B4-BE49-F238E27FC236}">
-                <a16:creationId xmlns:a16="http://schemas.microsoft.com/office/drawing/2014/main" id="{CF3830DB-A988-F223-7BAB-2FFC426E9EC4}"/>
+                <a16:creationId xmlns:a16="http://schemas.microsoft.com/office/drawing/2014/main" id="{8F542BE2-B400-7E37-0F97-4E7EFA22AFC6}"/>
               </a:ext>
             </a:extLst>
           </p:cNvPr>
@@ -2699,7 +2699,7 @@
           <p:cNvPr id="7" name="灯片编号占位符 6">
             <a:extLst>
               <a:ext uri="{FF2B5EF4-FFF2-40B4-BE49-F238E27FC236}">
-                <a16:creationId xmlns:a16="http://schemas.microsoft.com/office/drawing/2014/main" id="{2DD99312-2ED6-D0D5-9555-859B968186D5}"/>
+                <a16:creationId xmlns:a16="http://schemas.microsoft.com/office/drawing/2014/main" id="{53604474-D179-EB40-0C38-517872129A68}"/>
               </a:ext>
             </a:extLst>
           </p:cNvPr>
@@ -2715,7 +2715,7 @@
           <a:bodyPr/>
           <a:lstStyle/>
           <a:p>
-            <a:fld id="{FCA085D0-F506-419E-B3FE-CDCD387DF782}" type="slidenum">
+            <a:fld id="{18FB5DC9-17FE-45DD-8A92-6C9018214740}" type="slidenum">
               <a:rPr lang="zh-CN" altLang="en-US" smtClean="0"/>
               <a:t>‹#›</a:t>
             </a:fld>
@@ -2726,7 +2726,7 @@
     </p:spTree>
     <p:extLst>
       <p:ext uri="{BB962C8B-B14F-4D97-AF65-F5344CB8AC3E}">
-        <p14:creationId xmlns:p14="http://schemas.microsoft.com/office/powerpoint/2010/main" val="516664399"/>
+        <p14:creationId xmlns:p14="http://schemas.microsoft.com/office/powerpoint/2010/main" val="660192840"/>
       </p:ext>
     </p:extLst>
   </p:cSld>
@@ -2763,7 +2763,7 @@
           <p:cNvPr id="2" name="标题占位符 1">
             <a:extLst>
               <a:ext uri="{FF2B5EF4-FFF2-40B4-BE49-F238E27FC236}">
-                <a16:creationId xmlns:a16="http://schemas.microsoft.com/office/drawing/2014/main" id="{3369BBA5-5E0A-58D2-AB78-239DA537F16B}"/>
+                <a16:creationId xmlns:a16="http://schemas.microsoft.com/office/drawing/2014/main" id="{BB338B58-585D-5EEA-930B-E094351930C7}"/>
               </a:ext>
             </a:extLst>
           </p:cNvPr>
@@ -2801,7 +2801,7 @@
           <p:cNvPr id="3" name="文本占位符 2">
             <a:extLst>
               <a:ext uri="{FF2B5EF4-FFF2-40B4-BE49-F238E27FC236}">
-                <a16:creationId xmlns:a16="http://schemas.microsoft.com/office/drawing/2014/main" id="{9CB25D2D-BF20-3390-A554-F8EF47C39D05}"/>
+                <a16:creationId xmlns:a16="http://schemas.microsoft.com/office/drawing/2014/main" id="{70155AA7-6638-0A1A-BE4D-28AF3A4B841B}"/>
               </a:ext>
             </a:extLst>
           </p:cNvPr>
@@ -2868,7 +2868,7 @@
           <p:cNvPr id="4" name="日期占位符 3">
             <a:extLst>
               <a:ext uri="{FF2B5EF4-FFF2-40B4-BE49-F238E27FC236}">
-                <a16:creationId xmlns:a16="http://schemas.microsoft.com/office/drawing/2014/main" id="{8C6883C0-5190-1309-FD82-430DF55E0B78}"/>
+                <a16:creationId xmlns:a16="http://schemas.microsoft.com/office/drawing/2014/main" id="{9516ABDA-BA60-DD4B-DFEB-D7F5C6517982}"/>
               </a:ext>
             </a:extLst>
           </p:cNvPr>
@@ -2902,7 +2902,7 @@
             </a:lvl1pPr>
           </a:lstStyle>
           <a:p>
-            <a:fld id="{58B01C3C-30F4-4016-B900-8C852BEBD975}" type="datetimeFigureOut">
+            <a:fld id="{61828B04-9AA6-4F63-9CFD-5CADDC9684DA}" type="datetimeFigureOut">
               <a:rPr lang="zh-CN" altLang="en-US" smtClean="0"/>
               <a:t>2024/3/10</a:t>
             </a:fld>
@@ -2915,7 +2915,7 @@
           <p:cNvPr id="5" name="页脚占位符 4">
             <a:extLst>
               <a:ext uri="{FF2B5EF4-FFF2-40B4-BE49-F238E27FC236}">
-                <a16:creationId xmlns:a16="http://schemas.microsoft.com/office/drawing/2014/main" id="{393EF50F-CFC5-9B80-14E7-170DD0927084}"/>
+                <a16:creationId xmlns:a16="http://schemas.microsoft.com/office/drawing/2014/main" id="{4CCE05E8-63E0-ADB1-4E57-79EEC33FE763}"/>
               </a:ext>
             </a:extLst>
           </p:cNvPr>
@@ -2958,7 +2958,7 @@
           <p:cNvPr id="6" name="灯片编号占位符 5">
             <a:extLst>
               <a:ext uri="{FF2B5EF4-FFF2-40B4-BE49-F238E27FC236}">
-                <a16:creationId xmlns:a16="http://schemas.microsoft.com/office/drawing/2014/main" id="{DC55A558-FFE0-90A6-FFC1-E672B271C3B2}"/>
+                <a16:creationId xmlns:a16="http://schemas.microsoft.com/office/drawing/2014/main" id="{0DDF6C3D-779E-85E1-62DD-EADEF7BCF49E}"/>
               </a:ext>
             </a:extLst>
           </p:cNvPr>
@@ -2992,7 +2992,7 @@
             </a:lvl1pPr>
           </a:lstStyle>
           <a:p>
-            <a:fld id="{FCA085D0-F506-419E-B3FE-CDCD387DF782}" type="slidenum">
+            <a:fld id="{18FB5DC9-17FE-45DD-8A92-6C9018214740}" type="slidenum">
               <a:rPr lang="zh-CN" altLang="en-US" smtClean="0"/>
               <a:t>‹#›</a:t>
             </a:fld>
@@ -3003,7 +3003,7 @@
     </p:spTree>
     <p:extLst>
       <p:ext uri="{BB962C8B-B14F-4D97-AF65-F5344CB8AC3E}">
-        <p14:creationId xmlns:p14="http://schemas.microsoft.com/office/powerpoint/2010/main" val="3867316171"/>
+        <p14:creationId xmlns:p14="http://schemas.microsoft.com/office/powerpoint/2010/main" val="2413732703"/>
       </p:ext>
     </p:extLst>
   </p:cSld>
